--- a/lucene.pptx
+++ b/lucene.pptx
@@ -4262,11 +4262,7 @@
           <a:p>
             <a:r>
               <a:rPr lang="en-US" dirty="0" smtClean="0"/>
-              <a:t>Search results can be </a:t>
-            </a:r>
-            <a:r>
-              <a:rPr lang="en-US" dirty="0" smtClean="0"/>
-              <a:t>post-processed</a:t>
+              <a:t>Search results can be post-processed</a:t>
             </a:r>
           </a:p>
           <a:p>
@@ -4275,11 +4271,7 @@
           <a:p>
             <a:r>
               <a:rPr lang="en-US" dirty="0" smtClean="0"/>
-              <a:t>Example</a:t>
-            </a:r>
-            <a:r>
-              <a:rPr lang="en-US" dirty="0" smtClean="0"/>
-              <a:t>:</a:t>
+              <a:t>Example:</a:t>
             </a:r>
             <a:endParaRPr lang="en-US" dirty="0"/>
           </a:p>
@@ -4469,7 +4461,37 @@
           <a:bodyPr/>
           <a:lstStyle/>
           <a:p>
-            <a:endParaRPr lang="en-US"/>
+            <a:r>
+              <a:rPr lang="en-US" dirty="0" smtClean="0"/>
+              <a:t>Code and slides are on my </a:t>
+            </a:r>
+            <a:r>
+              <a:rPr lang="en-US" dirty="0" err="1" smtClean="0"/>
+              <a:t>Github</a:t>
+            </a:r>
+            <a:endParaRPr lang="en-US" dirty="0" smtClean="0"/>
+          </a:p>
+          <a:p>
+            <a:pPr lvl="1"/>
+            <a:r>
+              <a:rPr lang="en-US" dirty="0">
+                <a:hlinkClick r:id="rId2"/>
+              </a:rPr>
+              <a:t>https</a:t>
+            </a:r>
+            <a:r>
+              <a:rPr lang="en-US">
+                <a:hlinkClick r:id="rId2"/>
+              </a:rPr>
+              <a:t>://</a:t>
+            </a:r>
+            <a:r>
+              <a:rPr lang="en-US" smtClean="0">
+                <a:hlinkClick r:id="rId2"/>
+              </a:rPr>
+              <a:t>github.com/sfaria/lucene-demo</a:t>
+            </a:r>
+            <a:endParaRPr lang="en-US" dirty="0" smtClean="0"/>
           </a:p>
         </p:txBody>
       </p:sp>
@@ -4839,11 +4861,7 @@
           <a:p>
             <a:r>
               <a:rPr lang="en-US" dirty="0" smtClean="0"/>
-              <a:t>Lucene is </a:t>
-            </a:r>
-            <a:r>
-              <a:rPr lang="en-US" dirty="0" smtClean="0"/>
-              <a:t>open-ended</a:t>
+              <a:t>Lucene is open-ended</a:t>
             </a:r>
           </a:p>
           <a:p>
@@ -4970,13 +4988,8 @@
           <a:p>
             <a:r>
               <a:rPr lang="en-US" dirty="0" smtClean="0"/>
-              <a:t>This very flexible and source-agnostic model allows for the storage of many types of </a:t>
-            </a:r>
-            <a:r>
-              <a:rPr lang="en-US" dirty="0" smtClean="0"/>
-              <a:t>data</a:t>
-            </a:r>
-            <a:endParaRPr lang="en-US" dirty="0" smtClean="0"/>
+              <a:t>This very flexible and source-agnostic model allows for the storage of many types of data</a:t>
+            </a:r>
           </a:p>
         </p:txBody>
       </p:sp>
@@ -5215,11 +5228,7 @@
           <a:p>
             <a:r>
               <a:rPr lang="en-US" dirty="0" smtClean="0"/>
-              <a:t>Analysis is configurable via an instance of </a:t>
-            </a:r>
-            <a:r>
-              <a:rPr lang="en-US" dirty="0" smtClean="0"/>
-              <a:t>Analyzer</a:t>
+              <a:t>Analysis is configurable via an instance of Analyzer</a:t>
             </a:r>
           </a:p>
           <a:p>
@@ -5250,11 +5259,7 @@
             <a:pPr lvl="1"/>
             <a:r>
               <a:rPr lang="en-US" dirty="0" smtClean="0"/>
-              <a:t>Natural language-specific </a:t>
-            </a:r>
-            <a:r>
-              <a:rPr lang="en-US" dirty="0" smtClean="0"/>
-              <a:t>operations</a:t>
+              <a:t>Natural language-specific operations</a:t>
             </a:r>
           </a:p>
           <a:p>
@@ -5264,13 +5269,8 @@
           <a:p>
             <a:r>
               <a:rPr lang="en-US" dirty="0" smtClean="0"/>
-              <a:t>Fields that have things that should be matched but not retrieved can be analyzed but not “stored</a:t>
-            </a:r>
-            <a:r>
-              <a:rPr lang="en-US" dirty="0" smtClean="0"/>
-              <a:t>”</a:t>
-            </a:r>
-            <a:endParaRPr lang="en-US" dirty="0" smtClean="0"/>
+              <a:t>Fields that have things that should be matched but not retrieved can be analyzed but not “stored”</a:t>
+            </a:r>
           </a:p>
         </p:txBody>
       </p:sp>
